--- a/docs/figures_arch.pptx
+++ b/docs/figures_arch.pptx
@@ -3881,7 +3881,7 @@
             <a:pPr algn="ctr"/>
             <a:r>
               <a:rPr lang="en-US" sz="1400" dirty="0"/>
-              <a:t>Embed and encrypt Visible t visible</a:t>
+              <a:t>Embed and encrypt visible image to IR one</a:t>
             </a:r>
           </a:p>
         </p:txBody>
